--- a/IPB (10-11) tkinter and OOL.pptx
+++ b/IPB (10-11) tkinter and OOL.pptx
@@ -6,13 +6,15 @@
   </p:sldMasterIdLst>
   <p:sldIdLst>
     <p:sldId id="256" r:id="rId2"/>
-    <p:sldId id="257" r:id="rId3"/>
-    <p:sldId id="258" r:id="rId4"/>
-    <p:sldId id="259" r:id="rId5"/>
-    <p:sldId id="260" r:id="rId6"/>
-    <p:sldId id="263" r:id="rId7"/>
-    <p:sldId id="261" r:id="rId8"/>
-    <p:sldId id="262" r:id="rId9"/>
+    <p:sldId id="264" r:id="rId3"/>
+    <p:sldId id="265" r:id="rId4"/>
+    <p:sldId id="257" r:id="rId5"/>
+    <p:sldId id="258" r:id="rId6"/>
+    <p:sldId id="259" r:id="rId7"/>
+    <p:sldId id="260" r:id="rId8"/>
+    <p:sldId id="263" r:id="rId9"/>
+    <p:sldId id="261" r:id="rId10"/>
+    <p:sldId id="262" r:id="rId11"/>
   </p:sldIdLst>
   <p:sldSz cx="12192000" cy="6858000"/>
   <p:notesSz cx="6858000" cy="9144000"/>
@@ -553,7 +555,7 @@
           <a:p>
             <a:fld id="{674D4847-DB7C-4854-AD9C-417A8A78F734}" type="datetimeFigureOut">
               <a:rPr lang="pl-PL" smtClean="0"/>
-              <a:t>10.05.2017</a:t>
+              <a:t>2017-05-11</a:t>
             </a:fld>
             <a:endParaRPr lang="pl-PL"/>
           </a:p>
@@ -1926,7 +1928,7 @@
           <a:p>
             <a:fld id="{674D4847-DB7C-4854-AD9C-417A8A78F734}" type="datetimeFigureOut">
               <a:rPr lang="pl-PL" smtClean="0"/>
-              <a:t>10.05.2017</a:t>
+              <a:t>2017-05-11</a:t>
             </a:fld>
             <a:endParaRPr lang="pl-PL"/>
           </a:p>
@@ -2148,7 +2150,7 @@
           <a:p>
             <a:fld id="{674D4847-DB7C-4854-AD9C-417A8A78F734}" type="datetimeFigureOut">
               <a:rPr lang="pl-PL" smtClean="0"/>
-              <a:t>10.05.2017</a:t>
+              <a:t>2017-05-11</a:t>
             </a:fld>
             <a:endParaRPr lang="pl-PL"/>
           </a:p>
@@ -2613,10 +2615,682 @@
   <p:clrMapOvr>
     <a:masterClrMapping/>
   </p:clrMapOvr>
+  <p:timing>
+    <p:tnLst>
+      <p:par>
+        <p:cTn id="1" dur="indefinite" restart="never" nodeType="tmRoot"/>
+      </p:par>
+    </p:tnLst>
+  </p:timing>
+</p:sld>
+</file>
+
+<file path=ppt/slides/slide10.xml><?xml version="1.0" encoding="utf-8"?>
+<p:sld xmlns:a="http://schemas.openxmlformats.org/drawingml/2006/main" xmlns:r="http://schemas.openxmlformats.org/officeDocument/2006/relationships" xmlns:p="http://schemas.openxmlformats.org/presentationml/2006/main">
+  <p:cSld>
+    <p:spTree>
+      <p:nvGrpSpPr>
+        <p:cNvPr id="1" name=""/>
+        <p:cNvGrpSpPr/>
+        <p:nvPr/>
+      </p:nvGrpSpPr>
+      <p:grpSpPr>
+        <a:xfrm>
+          <a:off x="0" y="0"/>
+          <a:ext cx="0" cy="0"/>
+          <a:chOff x="0" y="0"/>
+          <a:chExt cx="0" cy="0"/>
+        </a:xfrm>
+      </p:grpSpPr>
+      <p:sp>
+        <p:nvSpPr>
+          <p:cNvPr id="2" name="Symbol zastępczy zawartości 1"/>
+          <p:cNvSpPr>
+            <a:spLocks noGrp="1"/>
+          </p:cNvSpPr>
+          <p:nvPr>
+            <p:ph idx="1"/>
+          </p:nvPr>
+        </p:nvSpPr>
+        <p:spPr>
+          <a:xfrm>
+            <a:off x="4680064" y="108065"/>
+            <a:ext cx="7439892" cy="6242859"/>
+          </a:xfrm>
+        </p:spPr>
+        <p:txBody>
+          <a:bodyPr>
+            <a:normAutofit fontScale="92500" lnSpcReduction="20000"/>
+          </a:bodyPr>
+          <a:lstStyle/>
+          <a:p>
+            <a:pPr marL="0" indent="0">
+              <a:buNone/>
+            </a:pPr>
+            <a:r>
+              <a:rPr lang="pl-PL" dirty="0" err="1"/>
+              <a:t>class</a:t>
+            </a:r>
+            <a:r>
+              <a:rPr lang="pl-PL" dirty="0"/>
+              <a:t> Student:</a:t>
+            </a:r>
+          </a:p>
+          <a:p>
+            <a:pPr marL="0" indent="0">
+              <a:buNone/>
+            </a:pPr>
+            <a:r>
+              <a:rPr lang="pl-PL" dirty="0"/>
+              <a:t>    def __</a:t>
+            </a:r>
+            <a:r>
+              <a:rPr lang="pl-PL" dirty="0" err="1"/>
+              <a:t>init</a:t>
+            </a:r>
+            <a:r>
+              <a:rPr lang="pl-PL" dirty="0"/>
+              <a:t>__(</a:t>
+            </a:r>
+            <a:r>
+              <a:rPr lang="pl-PL" dirty="0" err="1"/>
+              <a:t>self</a:t>
+            </a:r>
+            <a:r>
+              <a:rPr lang="pl-PL" dirty="0"/>
+              <a:t>, </a:t>
+            </a:r>
+            <a:r>
+              <a:rPr lang="pl-PL" dirty="0" err="1"/>
+              <a:t>name</a:t>
+            </a:r>
+            <a:r>
+              <a:rPr lang="pl-PL" dirty="0"/>
+              <a:t>, </a:t>
+            </a:r>
+            <a:r>
+              <a:rPr lang="pl-PL" dirty="0" err="1"/>
+              <a:t>indexNo</a:t>
+            </a:r>
+            <a:r>
+              <a:rPr lang="pl-PL" dirty="0"/>
+              <a:t>, </a:t>
+            </a:r>
+            <a:r>
+              <a:rPr lang="pl-PL" dirty="0" err="1"/>
+              <a:t>studyAvg</a:t>
+            </a:r>
+            <a:r>
+              <a:rPr lang="pl-PL" dirty="0"/>
+              <a:t> = 0):</a:t>
+            </a:r>
+          </a:p>
+          <a:p>
+            <a:pPr marL="0" indent="0">
+              <a:buNone/>
+            </a:pPr>
+            <a:r>
+              <a:rPr lang="pl-PL" dirty="0"/>
+              <a:t>        self.name = </a:t>
+            </a:r>
+            <a:r>
+              <a:rPr lang="pl-PL" dirty="0" err="1"/>
+              <a:t>name</a:t>
+            </a:r>
+            <a:endParaRPr lang="pl-PL" dirty="0"/>
+          </a:p>
+          <a:p>
+            <a:pPr marL="0" indent="0">
+              <a:buNone/>
+            </a:pPr>
+            <a:r>
+              <a:rPr lang="pl-PL" dirty="0"/>
+              <a:t>        </a:t>
+            </a:r>
+            <a:r>
+              <a:rPr lang="pl-PL" dirty="0" err="1"/>
+              <a:t>self.indexNo</a:t>
+            </a:r>
+            <a:r>
+              <a:rPr lang="pl-PL" dirty="0"/>
+              <a:t> = </a:t>
+            </a:r>
+            <a:r>
+              <a:rPr lang="pl-PL" dirty="0" err="1"/>
+              <a:t>indexNo</a:t>
+            </a:r>
+            <a:endParaRPr lang="pl-PL" dirty="0"/>
+          </a:p>
+          <a:p>
+            <a:pPr marL="0" indent="0">
+              <a:buNone/>
+            </a:pPr>
+            <a:r>
+              <a:rPr lang="pl-PL" dirty="0"/>
+              <a:t>        </a:t>
+            </a:r>
+            <a:r>
+              <a:rPr lang="pl-PL" dirty="0" err="1"/>
+              <a:t>self.studyAvg</a:t>
+            </a:r>
+            <a:r>
+              <a:rPr lang="pl-PL" dirty="0"/>
+              <a:t> = </a:t>
+            </a:r>
+            <a:r>
+              <a:rPr lang="pl-PL" dirty="0" err="1"/>
+              <a:t>studyAvg</a:t>
+            </a:r>
+            <a:endParaRPr lang="pl-PL" dirty="0"/>
+          </a:p>
+          <a:p>
+            <a:pPr marL="0" indent="0">
+              <a:buNone/>
+            </a:pPr>
+            <a:r>
+              <a:rPr lang="pl-PL" dirty="0"/>
+              <a:t>    </a:t>
+            </a:r>
+          </a:p>
+          <a:p>
+            <a:pPr marL="0" indent="0">
+              <a:buNone/>
+            </a:pPr>
+            <a:r>
+              <a:rPr lang="pl-PL" dirty="0"/>
+              <a:t>    def </a:t>
+            </a:r>
+            <a:r>
+              <a:rPr lang="pl-PL" dirty="0" err="1"/>
+              <a:t>setAvg</a:t>
+            </a:r>
+            <a:r>
+              <a:rPr lang="pl-PL" dirty="0"/>
+              <a:t>(</a:t>
+            </a:r>
+            <a:r>
+              <a:rPr lang="pl-PL" dirty="0" err="1"/>
+              <a:t>self</a:t>
+            </a:r>
+            <a:r>
+              <a:rPr lang="pl-PL" dirty="0"/>
+              <a:t>, </a:t>
+            </a:r>
+            <a:r>
+              <a:rPr lang="pl-PL" dirty="0" err="1"/>
+              <a:t>avg</a:t>
+            </a:r>
+            <a:r>
+              <a:rPr lang="pl-PL" dirty="0"/>
+              <a:t>):</a:t>
+            </a:r>
+          </a:p>
+          <a:p>
+            <a:pPr marL="0" indent="0">
+              <a:buNone/>
+            </a:pPr>
+            <a:r>
+              <a:rPr lang="pl-PL" dirty="0"/>
+              <a:t>        </a:t>
+            </a:r>
+            <a:r>
+              <a:rPr lang="pl-PL" dirty="0" err="1"/>
+              <a:t>self.studyAvg</a:t>
+            </a:r>
+            <a:r>
+              <a:rPr lang="pl-PL" dirty="0"/>
+              <a:t> = </a:t>
+            </a:r>
+            <a:r>
+              <a:rPr lang="pl-PL" dirty="0" err="1"/>
+              <a:t>avg</a:t>
+            </a:r>
+            <a:endParaRPr lang="pl-PL" dirty="0"/>
+          </a:p>
+          <a:p>
+            <a:pPr marL="0" indent="0">
+              <a:buNone/>
+            </a:pPr>
+            <a:endParaRPr lang="pl-PL" dirty="0"/>
+          </a:p>
+          <a:p>
+            <a:pPr marL="0" indent="0">
+              <a:buNone/>
+            </a:pPr>
+            <a:r>
+              <a:rPr lang="pl-PL" dirty="0"/>
+              <a:t>    def </a:t>
+            </a:r>
+            <a:r>
+              <a:rPr lang="pl-PL" dirty="0" err="1"/>
+              <a:t>getAvg</a:t>
+            </a:r>
+            <a:r>
+              <a:rPr lang="pl-PL" dirty="0"/>
+              <a:t>(</a:t>
+            </a:r>
+            <a:r>
+              <a:rPr lang="pl-PL" dirty="0" err="1"/>
+              <a:t>self</a:t>
+            </a:r>
+            <a:r>
+              <a:rPr lang="pl-PL" dirty="0"/>
+              <a:t>):</a:t>
+            </a:r>
+          </a:p>
+          <a:p>
+            <a:pPr marL="0" indent="0">
+              <a:buNone/>
+            </a:pPr>
+            <a:r>
+              <a:rPr lang="pl-PL" dirty="0"/>
+              <a:t>        return </a:t>
+            </a:r>
+            <a:r>
+              <a:rPr lang="pl-PL" dirty="0" err="1"/>
+              <a:t>self.studyAvg</a:t>
+            </a:r>
+            <a:endParaRPr lang="pl-PL" dirty="0"/>
+          </a:p>
+          <a:p>
+            <a:pPr marL="0" indent="0">
+              <a:buNone/>
+            </a:pPr>
+            <a:endParaRPr lang="pl-PL" dirty="0"/>
+          </a:p>
+          <a:p>
+            <a:pPr marL="0" indent="0">
+              <a:buNone/>
+            </a:pPr>
+            <a:r>
+              <a:rPr lang="pl-PL" dirty="0"/>
+              <a:t>    def __</a:t>
+            </a:r>
+            <a:r>
+              <a:rPr lang="pl-PL" dirty="0" err="1"/>
+              <a:t>str</a:t>
+            </a:r>
+            <a:r>
+              <a:rPr lang="pl-PL" dirty="0"/>
+              <a:t>__(</a:t>
+            </a:r>
+            <a:r>
+              <a:rPr lang="pl-PL" dirty="0" err="1"/>
+              <a:t>self</a:t>
+            </a:r>
+            <a:r>
+              <a:rPr lang="pl-PL" dirty="0"/>
+              <a:t>):</a:t>
+            </a:r>
+          </a:p>
+          <a:p>
+            <a:pPr marL="0" indent="0">
+              <a:buNone/>
+            </a:pPr>
+            <a:r>
+              <a:rPr lang="pl-PL" dirty="0"/>
+              <a:t>        return self.name + ", Index No. „ + </a:t>
+            </a:r>
+            <a:r>
+              <a:rPr lang="pl-PL" dirty="0" err="1"/>
+              <a:t>str</a:t>
+            </a:r>
+            <a:r>
+              <a:rPr lang="pl-PL" dirty="0"/>
+              <a:t>(</a:t>
+            </a:r>
+            <a:r>
+              <a:rPr lang="pl-PL" dirty="0" err="1"/>
+              <a:t>self.indexNo</a:t>
+            </a:r>
+            <a:r>
+              <a:rPr lang="pl-PL" dirty="0"/>
+              <a:t>) +   </a:t>
+            </a:r>
+            <a:br>
+              <a:rPr lang="pl-PL" dirty="0"/>
+            </a:br>
+            <a:r>
+              <a:rPr lang="pl-PL" dirty="0"/>
+              <a:t>        ", </a:t>
+            </a:r>
+            <a:r>
+              <a:rPr lang="pl-PL" dirty="0" err="1"/>
+              <a:t>Study</a:t>
+            </a:r>
+            <a:r>
+              <a:rPr lang="pl-PL" dirty="0"/>
+              <a:t> </a:t>
+            </a:r>
+            <a:r>
+              <a:rPr lang="pl-PL" dirty="0" err="1"/>
+              <a:t>avg</a:t>
+            </a:r>
+            <a:r>
+              <a:rPr lang="pl-PL" dirty="0"/>
+              <a:t>: " + </a:t>
+            </a:r>
+            <a:r>
+              <a:rPr lang="pl-PL" dirty="0" err="1"/>
+              <a:t>str</a:t>
+            </a:r>
+            <a:r>
+              <a:rPr lang="pl-PL" dirty="0"/>
+              <a:t>(</a:t>
+            </a:r>
+            <a:r>
+              <a:rPr lang="pl-PL" dirty="0" err="1"/>
+              <a:t>self.studyAvg</a:t>
+            </a:r>
+            <a:r>
+              <a:rPr lang="pl-PL" dirty="0"/>
+              <a:t>)</a:t>
+            </a:r>
+          </a:p>
+          <a:p>
+            <a:pPr marL="0" indent="0">
+              <a:buNone/>
+            </a:pPr>
+            <a:endParaRPr lang="pl-PL" sz="1800" dirty="0"/>
+          </a:p>
+          <a:p>
+            <a:pPr marL="0" indent="0">
+              <a:buNone/>
+            </a:pPr>
+            <a:r>
+              <a:rPr lang="pl-PL" dirty="0" err="1"/>
+              <a:t>ali</a:t>
+            </a:r>
+            <a:r>
+              <a:rPr lang="pl-PL" dirty="0"/>
+              <a:t> = Student("Kowalski", 12345)</a:t>
+            </a:r>
+          </a:p>
+          <a:p>
+            <a:pPr marL="0" indent="0">
+              <a:buNone/>
+            </a:pPr>
+            <a:r>
+              <a:rPr lang="pl-PL" dirty="0" err="1"/>
+              <a:t>print</a:t>
+            </a:r>
+            <a:r>
+              <a:rPr lang="pl-PL" dirty="0"/>
+              <a:t>(</a:t>
+            </a:r>
+            <a:r>
+              <a:rPr lang="pl-PL" dirty="0" err="1"/>
+              <a:t>ali</a:t>
+            </a:r>
+            <a:r>
+              <a:rPr lang="pl-PL" dirty="0"/>
+              <a:t>)</a:t>
+            </a:r>
+          </a:p>
+        </p:txBody>
+      </p:sp>
+      <p:sp>
+        <p:nvSpPr>
+          <p:cNvPr id="3" name="Tytuł 2"/>
+          <p:cNvSpPr>
+            <a:spLocks noGrp="1"/>
+          </p:cNvSpPr>
+          <p:nvPr>
+            <p:ph type="title"/>
+          </p:nvPr>
+        </p:nvSpPr>
+        <p:spPr>
+          <a:xfrm>
+            <a:off x="609600" y="274640"/>
+            <a:ext cx="3754582" cy="994121"/>
+          </a:xfrm>
+        </p:spPr>
+        <p:txBody>
+          <a:bodyPr/>
+          <a:lstStyle/>
+          <a:p>
+            <a:r>
+              <a:rPr lang="pl-PL" dirty="0" err="1"/>
+              <a:t>Defining</a:t>
+            </a:r>
+            <a:r>
+              <a:rPr lang="pl-PL" dirty="0"/>
+              <a:t> a </a:t>
+            </a:r>
+            <a:r>
+              <a:rPr lang="pl-PL" dirty="0" err="1"/>
+              <a:t>class</a:t>
+            </a:r>
+            <a:endParaRPr lang="pl-PL" dirty="0"/>
+          </a:p>
+        </p:txBody>
+      </p:sp>
+    </p:spTree>
+    <p:extLst>
+      <p:ext uri="{BB962C8B-B14F-4D97-AF65-F5344CB8AC3E}">
+        <p14:creationId xmlns:p14="http://schemas.microsoft.com/office/powerpoint/2010/main" val="2879528680"/>
+      </p:ext>
+    </p:extLst>
+  </p:cSld>
+  <p:clrMapOvr>
+    <a:masterClrMapping/>
+  </p:clrMapOvr>
 </p:sld>
 </file>
 
 <file path=ppt/slides/slide2.xml><?xml version="1.0" encoding="utf-8"?>
+<p:sld xmlns:a="http://schemas.openxmlformats.org/drawingml/2006/main" xmlns:r="http://schemas.openxmlformats.org/officeDocument/2006/relationships" xmlns:p="http://schemas.openxmlformats.org/presentationml/2006/main">
+  <p:cSld>
+    <p:spTree>
+      <p:nvGrpSpPr>
+        <p:cNvPr id="1" name=""/>
+        <p:cNvGrpSpPr/>
+        <p:nvPr/>
+      </p:nvGrpSpPr>
+      <p:grpSpPr>
+        <a:xfrm>
+          <a:off x="0" y="0"/>
+          <a:ext cx="0" cy="0"/>
+          <a:chOff x="0" y="0"/>
+          <a:chExt cx="0" cy="0"/>
+        </a:xfrm>
+      </p:grpSpPr>
+      <p:sp>
+        <p:nvSpPr>
+          <p:cNvPr id="2" name="Content Placeholder 1"/>
+          <p:cNvSpPr>
+            <a:spLocks noGrp="1"/>
+          </p:cNvSpPr>
+          <p:nvPr>
+            <p:ph idx="1"/>
+          </p:nvPr>
+        </p:nvSpPr>
+        <p:spPr/>
+        <p:txBody>
+          <a:bodyPr/>
+          <a:lstStyle/>
+          <a:p>
+            <a:endParaRPr lang="en-US" dirty="0" smtClean="0"/>
+          </a:p>
+          <a:p>
+            <a:r>
+              <a:rPr lang="en-US" dirty="0" smtClean="0"/>
+              <a:t>Find a python folder : c:\Python27</a:t>
+            </a:r>
+          </a:p>
+          <a:p>
+            <a:r>
+              <a:rPr lang="en-US" dirty="0" err="1" smtClean="0"/>
+              <a:t>Windows+R</a:t>
+            </a:r>
+            <a:r>
+              <a:rPr lang="en-US" dirty="0" smtClean="0"/>
+              <a:t> “</a:t>
+            </a:r>
+            <a:r>
+              <a:rPr lang="en-US" dirty="0" err="1" smtClean="0"/>
+              <a:t>cmd</a:t>
+            </a:r>
+            <a:r>
+              <a:rPr lang="en-US" dirty="0" smtClean="0"/>
+              <a:t>”</a:t>
+            </a:r>
+          </a:p>
+          <a:p>
+            <a:r>
+              <a:rPr lang="en-US" dirty="0" smtClean="0"/>
+              <a:t>Type: c</a:t>
+            </a:r>
+            <a:r>
+              <a:rPr lang="en-US" smtClean="0"/>
+              <a:t>:\python27\pythonw.exe </a:t>
+            </a:r>
+            <a:r>
+              <a:rPr lang="en-US" dirty="0" smtClean="0"/>
+              <a:t>“c:\python27\lib\</a:t>
+            </a:r>
+            <a:r>
+              <a:rPr lang="en-US" dirty="0" err="1" smtClean="0"/>
+              <a:t>idlelib</a:t>
+            </a:r>
+            <a:r>
+              <a:rPr lang="en-US" dirty="0" smtClean="0"/>
+              <a:t>\</a:t>
+            </a:r>
+            <a:r>
+              <a:rPr lang="en-US" dirty="0" err="1" smtClean="0"/>
+              <a:t>idle.pyw</a:t>
+            </a:r>
+            <a:r>
+              <a:rPr lang="en-US" dirty="0" smtClean="0"/>
+              <a:t>”</a:t>
+            </a:r>
+            <a:endParaRPr lang="en-US" dirty="0"/>
+          </a:p>
+        </p:txBody>
+      </p:sp>
+      <p:sp>
+        <p:nvSpPr>
+          <p:cNvPr id="3" name="Title 2"/>
+          <p:cNvSpPr>
+            <a:spLocks noGrp="1"/>
+          </p:cNvSpPr>
+          <p:nvPr>
+            <p:ph type="title"/>
+          </p:nvPr>
+        </p:nvSpPr>
+        <p:spPr/>
+        <p:txBody>
+          <a:bodyPr/>
+          <a:lstStyle/>
+          <a:p>
+            <a:r>
+              <a:rPr lang="en-US" dirty="0" smtClean="0"/>
+              <a:t>How to run Idle</a:t>
+            </a:r>
+            <a:endParaRPr lang="en-US" dirty="0"/>
+          </a:p>
+        </p:txBody>
+      </p:sp>
+    </p:spTree>
+    <p:extLst>
+      <p:ext uri="{BB962C8B-B14F-4D97-AF65-F5344CB8AC3E}">
+        <p14:creationId xmlns:p14="http://schemas.microsoft.com/office/powerpoint/2010/main" val="1159135064"/>
+      </p:ext>
+    </p:extLst>
+  </p:cSld>
+  <p:clrMapOvr>
+    <a:masterClrMapping/>
+  </p:clrMapOvr>
+  <p:timing>
+    <p:tnLst>
+      <p:par>
+        <p:cTn id="1" dur="indefinite" restart="never" nodeType="tmRoot"/>
+      </p:par>
+    </p:tnLst>
+  </p:timing>
+</p:sld>
+</file>
+
+<file path=ppt/slides/slide3.xml><?xml version="1.0" encoding="utf-8"?>
+<p:sld xmlns:a="http://schemas.openxmlformats.org/drawingml/2006/main" xmlns:r="http://schemas.openxmlformats.org/officeDocument/2006/relationships" xmlns:p="http://schemas.openxmlformats.org/presentationml/2006/main">
+  <p:cSld>
+    <p:spTree>
+      <p:nvGrpSpPr>
+        <p:cNvPr id="1" name=""/>
+        <p:cNvGrpSpPr/>
+        <p:nvPr/>
+      </p:nvGrpSpPr>
+      <p:grpSpPr>
+        <a:xfrm>
+          <a:off x="0" y="0"/>
+          <a:ext cx="0" cy="0"/>
+          <a:chOff x="0" y="0"/>
+          <a:chExt cx="0" cy="0"/>
+        </a:xfrm>
+      </p:grpSpPr>
+      <p:pic>
+        <p:nvPicPr>
+          <p:cNvPr id="1026" name="Picture 2" descr="Znalezione obrazy dla zapytania tkinter examples"/>
+          <p:cNvPicPr>
+            <a:picLocks noChangeAspect="1" noChangeArrowheads="1"/>
+          </p:cNvPicPr>
+          <p:nvPr/>
+        </p:nvPicPr>
+        <p:blipFill>
+          <a:blip r:embed="rId2">
+            <a:extLst>
+              <a:ext uri="{28A0092B-C50C-407E-A947-70E740481C1C}">
+                <a14:useLocalDpi xmlns:a14="http://schemas.microsoft.com/office/drawing/2010/main" val="0"/>
+              </a:ext>
+            </a:extLst>
+          </a:blip>
+          <a:srcRect/>
+          <a:stretch>
+            <a:fillRect/>
+          </a:stretch>
+        </p:blipFill>
+        <p:spPr bwMode="auto">
+          <a:xfrm>
+            <a:off x="4203944" y="1824160"/>
+            <a:ext cx="3400425" cy="2124075"/>
+          </a:xfrm>
+          <a:prstGeom prst="rect">
+            <a:avLst/>
+          </a:prstGeom>
+          <a:noFill/>
+          <a:extLst>
+            <a:ext uri="{909E8E84-426E-40DD-AFC4-6F175D3DCCD1}">
+              <a14:hiddenFill xmlns:a14="http://schemas.microsoft.com/office/drawing/2010/main">
+                <a:solidFill>
+                  <a:srgbClr val="FFFFFF"/>
+                </a:solidFill>
+              </a14:hiddenFill>
+            </a:ext>
+          </a:extLst>
+        </p:spPr>
+      </p:pic>
+    </p:spTree>
+    <p:extLst>
+      <p:ext uri="{BB962C8B-B14F-4D97-AF65-F5344CB8AC3E}">
+        <p14:creationId xmlns:p14="http://schemas.microsoft.com/office/powerpoint/2010/main" val="1243526167"/>
+      </p:ext>
+    </p:extLst>
+  </p:cSld>
+  <p:clrMapOvr>
+    <a:masterClrMapping/>
+  </p:clrMapOvr>
+  <p:timing>
+    <p:tnLst>
+      <p:par>
+        <p:cTn id="1" dur="indefinite" restart="never" nodeType="tmRoot"/>
+      </p:par>
+    </p:tnLst>
+  </p:timing>
+</p:sld>
+</file>
+
+<file path=ppt/slides/slide4.xml><?xml version="1.0" encoding="utf-8"?>
 <p:sld xmlns:a="http://schemas.openxmlformats.org/drawingml/2006/main" xmlns:r="http://schemas.openxmlformats.org/officeDocument/2006/relationships" xmlns:p="http://schemas.openxmlformats.org/presentationml/2006/main">
   <p:cSld>
     <p:spTree>
@@ -2927,10 +3601,17 @@
   <p:clrMapOvr>
     <a:masterClrMapping/>
   </p:clrMapOvr>
+  <p:timing>
+    <p:tnLst>
+      <p:par>
+        <p:cTn id="1" dur="indefinite" restart="never" nodeType="tmRoot"/>
+      </p:par>
+    </p:tnLst>
+  </p:timing>
 </p:sld>
 </file>
 
-<file path=ppt/slides/slide3.xml><?xml version="1.0" encoding="utf-8"?>
+<file path=ppt/slides/slide5.xml><?xml version="1.0" encoding="utf-8"?>
 <p:sld xmlns:a="http://schemas.openxmlformats.org/drawingml/2006/main" xmlns:r="http://schemas.openxmlformats.org/officeDocument/2006/relationships" xmlns:p="http://schemas.openxmlformats.org/presentationml/2006/main">
   <p:cSld>
     <p:spTree>
@@ -3187,10 +3868,17 @@
   <p:clrMapOvr>
     <a:masterClrMapping/>
   </p:clrMapOvr>
+  <p:timing>
+    <p:tnLst>
+      <p:par>
+        <p:cTn id="1" dur="indefinite" restart="never" nodeType="tmRoot"/>
+      </p:par>
+    </p:tnLst>
+  </p:timing>
 </p:sld>
 </file>
 
-<file path=ppt/slides/slide4.xml><?xml version="1.0" encoding="utf-8"?>
+<file path=ppt/slides/slide6.xml><?xml version="1.0" encoding="utf-8"?>
 <p:sld xmlns:a="http://schemas.openxmlformats.org/drawingml/2006/main" xmlns:r="http://schemas.openxmlformats.org/officeDocument/2006/relationships" xmlns:p="http://schemas.openxmlformats.org/presentationml/2006/main">
   <p:cSld>
     <p:spTree>
@@ -3503,10 +4191,17 @@
   <p:clrMapOvr>
     <a:masterClrMapping/>
   </p:clrMapOvr>
+  <p:timing>
+    <p:tnLst>
+      <p:par>
+        <p:cTn id="1" dur="indefinite" restart="never" nodeType="tmRoot"/>
+      </p:par>
+    </p:tnLst>
+  </p:timing>
 </p:sld>
 </file>
 
-<file path=ppt/slides/slide5.xml><?xml version="1.0" encoding="utf-8"?>
+<file path=ppt/slides/slide7.xml><?xml version="1.0" encoding="utf-8"?>
 <p:sld xmlns:a="http://schemas.openxmlformats.org/drawingml/2006/main" xmlns:r="http://schemas.openxmlformats.org/officeDocument/2006/relationships" xmlns:p="http://schemas.openxmlformats.org/presentationml/2006/main">
   <p:cSld>
     <p:spTree>
@@ -3889,636 +4584,13 @@
   <p:clrMapOvr>
     <a:masterClrMapping/>
   </p:clrMapOvr>
-</p:sld>
-</file>
-
-<file path=ppt/slides/slide6.xml><?xml version="1.0" encoding="utf-8"?>
-<p:sld xmlns:a="http://schemas.openxmlformats.org/drawingml/2006/main" xmlns:r="http://schemas.openxmlformats.org/officeDocument/2006/relationships" xmlns:p="http://schemas.openxmlformats.org/presentationml/2006/main">
-  <p:cSld>
-    <p:spTree>
-      <p:nvGrpSpPr>
-        <p:cNvPr id="1" name=""/>
-        <p:cNvGrpSpPr/>
-        <p:nvPr/>
-      </p:nvGrpSpPr>
-      <p:grpSpPr>
-        <a:xfrm>
-          <a:off x="0" y="0"/>
-          <a:ext cx="0" cy="0"/>
-          <a:chOff x="0" y="0"/>
-          <a:chExt cx="0" cy="0"/>
-        </a:xfrm>
-      </p:grpSpPr>
-      <p:sp>
-        <p:nvSpPr>
-          <p:cNvPr id="2" name="Symbol zastępczy zawartości 1"/>
-          <p:cNvSpPr>
-            <a:spLocks noGrp="1"/>
-          </p:cNvSpPr>
-          <p:nvPr>
-            <p:ph idx="1"/>
-          </p:nvPr>
-        </p:nvSpPr>
-        <p:spPr>
-          <a:xfrm>
-            <a:off x="609600" y="1729046"/>
-            <a:ext cx="10972800" cy="4220233"/>
-          </a:xfrm>
-        </p:spPr>
-        <p:txBody>
-          <a:bodyPr/>
-          <a:lstStyle/>
-          <a:p>
-            <a:pPr marL="0" indent="0">
-              <a:buNone/>
-            </a:pPr>
-            <a:r>
-              <a:rPr lang="pl-PL" b="1" dirty="0"/>
-              <a:t>Read the manual, </a:t>
-            </a:r>
-            <a:r>
-              <a:rPr lang="pl-PL" b="1" dirty="0" err="1"/>
-              <a:t>try</a:t>
-            </a:r>
-            <a:r>
-              <a:rPr lang="pl-PL" b="1" dirty="0"/>
-              <a:t> to:</a:t>
-            </a:r>
-          </a:p>
-          <a:p>
-            <a:pPr>
-              <a:buFontTx/>
-              <a:buChar char="-"/>
-            </a:pPr>
-            <a:r>
-              <a:rPr lang="pl-PL" dirty="0" err="1"/>
-              <a:t>Create</a:t>
-            </a:r>
-            <a:r>
-              <a:rPr lang="pl-PL" dirty="0"/>
-              <a:t> a </a:t>
-            </a:r>
-            <a:r>
-              <a:rPr lang="pl-PL" dirty="0" err="1"/>
-              <a:t>window</a:t>
-            </a:r>
-            <a:endParaRPr lang="pl-PL" dirty="0"/>
-          </a:p>
-          <a:p>
-            <a:pPr>
-              <a:buFontTx/>
-              <a:buChar char="-"/>
-            </a:pPr>
-            <a:r>
-              <a:rPr lang="pl-PL" dirty="0" err="1"/>
-              <a:t>Add</a:t>
-            </a:r>
-            <a:r>
-              <a:rPr lang="pl-PL" dirty="0"/>
-              <a:t> </a:t>
-            </a:r>
-            <a:r>
-              <a:rPr lang="pl-PL" b="1" dirty="0" err="1"/>
-              <a:t>Buttons</a:t>
-            </a:r>
-            <a:r>
-              <a:rPr lang="pl-PL" b="1" dirty="0"/>
-              <a:t>, </a:t>
-            </a:r>
-            <a:r>
-              <a:rPr lang="pl-PL" b="1" dirty="0" err="1"/>
-              <a:t>Labels</a:t>
-            </a:r>
-            <a:r>
-              <a:rPr lang="pl-PL" b="1" dirty="0"/>
-              <a:t>, </a:t>
-            </a:r>
-            <a:r>
-              <a:rPr lang="pl-PL" b="1" dirty="0" err="1"/>
-              <a:t>Menus</a:t>
-            </a:r>
-            <a:r>
-              <a:rPr lang="pl-PL" dirty="0"/>
-              <a:t> and/</a:t>
-            </a:r>
-            <a:r>
-              <a:rPr lang="pl-PL" dirty="0" err="1"/>
-              <a:t>or</a:t>
-            </a:r>
-            <a:r>
-              <a:rPr lang="pl-PL" dirty="0"/>
-              <a:t> </a:t>
-            </a:r>
-            <a:r>
-              <a:rPr lang="pl-PL" dirty="0" err="1"/>
-              <a:t>other</a:t>
-            </a:r>
-            <a:r>
-              <a:rPr lang="pl-PL" dirty="0"/>
-              <a:t> </a:t>
-            </a:r>
-            <a:r>
-              <a:rPr lang="pl-PL" dirty="0" err="1"/>
-              <a:t>components</a:t>
-            </a:r>
-            <a:endParaRPr lang="pl-PL" dirty="0"/>
-          </a:p>
-          <a:p>
-            <a:pPr>
-              <a:buFontTx/>
-              <a:buChar char="-"/>
-            </a:pPr>
-            <a:r>
-              <a:rPr lang="pl-PL" dirty="0"/>
-              <a:t>Design a layout of </a:t>
-            </a:r>
-            <a:r>
-              <a:rPr lang="pl-PL" dirty="0" err="1"/>
-              <a:t>your</a:t>
-            </a:r>
-            <a:r>
-              <a:rPr lang="pl-PL" dirty="0"/>
-              <a:t> choice – </a:t>
-            </a:r>
-            <a:r>
-              <a:rPr lang="pl-PL" dirty="0" err="1"/>
-              <a:t>use</a:t>
-            </a:r>
-            <a:r>
-              <a:rPr lang="pl-PL" dirty="0"/>
-              <a:t> </a:t>
-            </a:r>
-            <a:r>
-              <a:rPr lang="pl-PL" dirty="0" err="1"/>
-              <a:t>your</a:t>
-            </a:r>
-            <a:r>
-              <a:rPr lang="pl-PL" dirty="0"/>
-              <a:t> </a:t>
-            </a:r>
-            <a:r>
-              <a:rPr lang="pl-PL" dirty="0" err="1"/>
-              <a:t>fantasy</a:t>
-            </a:r>
-            <a:r>
-              <a:rPr lang="pl-PL" dirty="0"/>
-              <a:t>!</a:t>
-            </a:r>
-          </a:p>
-          <a:p>
-            <a:pPr>
-              <a:buFontTx/>
-              <a:buChar char="-"/>
-            </a:pPr>
-            <a:r>
-              <a:rPr lang="pl-PL" dirty="0" err="1"/>
-              <a:t>Add</a:t>
-            </a:r>
-            <a:r>
-              <a:rPr lang="pl-PL" dirty="0"/>
-              <a:t> </a:t>
-            </a:r>
-            <a:r>
-              <a:rPr lang="pl-PL" dirty="0" err="1"/>
-              <a:t>some</a:t>
-            </a:r>
-            <a:r>
-              <a:rPr lang="pl-PL" dirty="0"/>
-              <a:t> </a:t>
-            </a:r>
-            <a:r>
-              <a:rPr lang="pl-PL" dirty="0" err="1"/>
-              <a:t>functionality</a:t>
-            </a:r>
-            <a:r>
-              <a:rPr lang="pl-PL" dirty="0"/>
-              <a:t> – </a:t>
-            </a:r>
-            <a:r>
-              <a:rPr lang="pl-PL" dirty="0" err="1"/>
-              <a:t>e.q</a:t>
-            </a:r>
-            <a:r>
-              <a:rPr lang="pl-PL" dirty="0"/>
-              <a:t>.:</a:t>
-            </a:r>
-          </a:p>
-          <a:p>
-            <a:pPr lvl="3">
-              <a:buFont typeface="Wingdings" panose="05000000000000000000" pitchFamily="2" charset="2"/>
-              <a:buChar char="Ø"/>
-            </a:pPr>
-            <a:r>
-              <a:rPr lang="pl-PL" sz="1800" dirty="0" err="1"/>
-              <a:t>Add</a:t>
-            </a:r>
-            <a:r>
-              <a:rPr lang="pl-PL" sz="1800" dirty="0"/>
-              <a:t> Button</a:t>
-            </a:r>
-          </a:p>
-          <a:p>
-            <a:pPr lvl="3">
-              <a:buFont typeface="Wingdings" panose="05000000000000000000" pitchFamily="2" charset="2"/>
-              <a:buChar char="Ø"/>
-            </a:pPr>
-            <a:r>
-              <a:rPr lang="pl-PL" sz="1800" dirty="0"/>
-              <a:t>Set </a:t>
-            </a:r>
-            <a:r>
-              <a:rPr lang="pl-PL" sz="1800" dirty="0" err="1"/>
-              <a:t>its</a:t>
-            </a:r>
-            <a:r>
-              <a:rPr lang="pl-PL" sz="1800" dirty="0"/>
-              <a:t> </a:t>
-            </a:r>
-            <a:r>
-              <a:rPr lang="pl-PL" sz="1800" dirty="0" err="1"/>
-              <a:t>label</a:t>
-            </a:r>
-            <a:r>
-              <a:rPr lang="pl-PL" sz="1800" dirty="0"/>
-              <a:t> to „Close”</a:t>
-            </a:r>
-          </a:p>
-          <a:p>
-            <a:pPr lvl="3">
-              <a:buFont typeface="Wingdings" panose="05000000000000000000" pitchFamily="2" charset="2"/>
-              <a:buChar char="Ø"/>
-            </a:pPr>
-            <a:r>
-              <a:rPr lang="pl-PL" sz="1800" dirty="0" err="1"/>
-              <a:t>Make</a:t>
-            </a:r>
-            <a:r>
-              <a:rPr lang="pl-PL" sz="1800" dirty="0"/>
-              <a:t> </a:t>
-            </a:r>
-            <a:r>
-              <a:rPr lang="pl-PL" sz="1800" dirty="0" err="1"/>
-              <a:t>it</a:t>
-            </a:r>
-            <a:r>
-              <a:rPr lang="pl-PL" sz="1800" dirty="0"/>
-              <a:t> </a:t>
-            </a:r>
-            <a:r>
-              <a:rPr lang="pl-PL" sz="1800" dirty="0" err="1"/>
-              <a:t>close</a:t>
-            </a:r>
-            <a:r>
-              <a:rPr lang="pl-PL" sz="1800" dirty="0"/>
-              <a:t> the </a:t>
-            </a:r>
-            <a:r>
-              <a:rPr lang="pl-PL" sz="1800" dirty="0" err="1"/>
-              <a:t>application</a:t>
-            </a:r>
-            <a:endParaRPr lang="pl-PL" sz="1800" dirty="0"/>
-          </a:p>
-          <a:p>
-            <a:pPr lvl="3">
-              <a:buFont typeface="Wingdings" panose="05000000000000000000" pitchFamily="2" charset="2"/>
-              <a:buChar char="Ø"/>
-            </a:pPr>
-            <a:r>
-              <a:rPr lang="pl-PL" sz="1800" dirty="0" err="1"/>
-              <a:t>Add</a:t>
-            </a:r>
-            <a:r>
-              <a:rPr lang="pl-PL" sz="1800" dirty="0"/>
-              <a:t> </a:t>
-            </a:r>
-            <a:r>
-              <a:rPr lang="pl-PL" sz="1800" dirty="0" err="1"/>
-              <a:t>other</a:t>
-            </a:r>
-            <a:r>
-              <a:rPr lang="pl-PL" sz="1800" dirty="0"/>
-              <a:t> </a:t>
-            </a:r>
-            <a:r>
-              <a:rPr lang="pl-PL" sz="1800" dirty="0" err="1"/>
-              <a:t>functionalities</a:t>
-            </a:r>
-            <a:r>
-              <a:rPr lang="pl-PL" sz="1800" dirty="0"/>
-              <a:t> </a:t>
-            </a:r>
-            <a:r>
-              <a:rPr lang="pl-PL" sz="1800" dirty="0" err="1"/>
-              <a:t>too</a:t>
-            </a:r>
-            <a:r>
-              <a:rPr lang="pl-PL" sz="1800" dirty="0"/>
-              <a:t>!</a:t>
-            </a:r>
-            <a:endParaRPr lang="en-GB" sz="1800" dirty="0"/>
-          </a:p>
-        </p:txBody>
-      </p:sp>
-      <p:sp>
-        <p:nvSpPr>
-          <p:cNvPr id="3" name="Tytuł 2"/>
-          <p:cNvSpPr>
-            <a:spLocks noGrp="1"/>
-          </p:cNvSpPr>
-          <p:nvPr>
-            <p:ph type="title"/>
-          </p:nvPr>
-        </p:nvSpPr>
-        <p:spPr/>
-        <p:txBody>
-          <a:bodyPr>
-            <a:noAutofit/>
-          </a:bodyPr>
-          <a:lstStyle/>
-          <a:p>
-            <a:pPr algn="ctr"/>
-            <a:r>
-              <a:rPr lang="pl-PL" sz="4000" dirty="0"/>
-              <a:t>Go to: </a:t>
-            </a:r>
-            <a:r>
-              <a:rPr lang="pl-PL" sz="2400" dirty="0"/>
-              <a:t>https://www.tutorialspoint.com/python/python_gui_programming.htm</a:t>
-            </a:r>
-            <a:br>
-              <a:rPr lang="pl-PL" sz="2400" dirty="0"/>
-            </a:br>
-            <a:r>
-              <a:rPr lang="pl-PL" sz="2400" b="0" i="1" dirty="0"/>
-              <a:t>(and </a:t>
-            </a:r>
-            <a:r>
-              <a:rPr lang="pl-PL" sz="2400" b="0" i="1" dirty="0" err="1"/>
-              <a:t>subpages</a:t>
-            </a:r>
-            <a:r>
-              <a:rPr lang="pl-PL" sz="2400" b="0" i="1" dirty="0"/>
-              <a:t> – </a:t>
-            </a:r>
-            <a:r>
-              <a:rPr lang="pl-PL" sz="2400" b="0" i="1" dirty="0" err="1"/>
-              <a:t>follow</a:t>
-            </a:r>
-            <a:r>
-              <a:rPr lang="pl-PL" sz="2400" b="0" i="1" dirty="0"/>
-              <a:t> the </a:t>
-            </a:r>
-            <a:r>
-              <a:rPr lang="pl-PL" sz="2400" b="0" i="1" dirty="0" err="1"/>
-              <a:t>links</a:t>
-            </a:r>
-            <a:r>
-              <a:rPr lang="pl-PL" sz="2400" b="0" i="1" dirty="0"/>
-              <a:t> from the </a:t>
-            </a:r>
-            <a:r>
-              <a:rPr lang="pl-PL" sz="2400" b="0" i="1" dirty="0" err="1"/>
-              <a:t>page</a:t>
-            </a:r>
-            <a:r>
-              <a:rPr lang="pl-PL" sz="2400" b="0" i="1" dirty="0"/>
-              <a:t>)</a:t>
-            </a:r>
-            <a:endParaRPr lang="en-GB" sz="2800" b="0" i="1" dirty="0"/>
-          </a:p>
-        </p:txBody>
-      </p:sp>
-    </p:spTree>
-    <p:extLst>
-      <p:ext uri="{BB962C8B-B14F-4D97-AF65-F5344CB8AC3E}">
-        <p14:creationId xmlns:p14="http://schemas.microsoft.com/office/powerpoint/2010/main" val="3251275913"/>
-      </p:ext>
-    </p:extLst>
-  </p:cSld>
-  <p:clrMapOvr>
-    <a:masterClrMapping/>
-  </p:clrMapOvr>
-</p:sld>
-</file>
-
-<file path=ppt/slides/slide7.xml><?xml version="1.0" encoding="utf-8"?>
-<p:sld xmlns:a="http://schemas.openxmlformats.org/drawingml/2006/main" xmlns:r="http://schemas.openxmlformats.org/officeDocument/2006/relationships" xmlns:p="http://schemas.openxmlformats.org/presentationml/2006/main">
-  <p:cSld>
-    <p:spTree>
-      <p:nvGrpSpPr>
-        <p:cNvPr id="1" name=""/>
-        <p:cNvGrpSpPr/>
-        <p:nvPr/>
-      </p:nvGrpSpPr>
-      <p:grpSpPr>
-        <a:xfrm>
-          <a:off x="0" y="0"/>
-          <a:ext cx="0" cy="0"/>
-          <a:chOff x="0" y="0"/>
-          <a:chExt cx="0" cy="0"/>
-        </a:xfrm>
-      </p:grpSpPr>
-      <p:sp>
-        <p:nvSpPr>
-          <p:cNvPr id="2" name="Symbol zastępczy zawartości 1"/>
-          <p:cNvSpPr>
-            <a:spLocks noGrp="1"/>
-          </p:cNvSpPr>
-          <p:nvPr>
-            <p:ph idx="1"/>
-          </p:nvPr>
-        </p:nvSpPr>
-        <p:spPr/>
-        <p:txBody>
-          <a:bodyPr/>
-          <a:lstStyle/>
-          <a:p>
-            <a:r>
-              <a:rPr lang="pl-PL" dirty="0" err="1"/>
-              <a:t>Everything</a:t>
-            </a:r>
-            <a:r>
-              <a:rPr lang="pl-PL" dirty="0"/>
-              <a:t> </a:t>
-            </a:r>
-            <a:r>
-              <a:rPr lang="pl-PL" dirty="0" err="1"/>
-              <a:t>is</a:t>
-            </a:r>
-            <a:r>
-              <a:rPr lang="pl-PL" dirty="0"/>
-              <a:t> </a:t>
-            </a:r>
-            <a:r>
-              <a:rPr lang="pl-PL" dirty="0" err="1"/>
-              <a:t>an</a:t>
-            </a:r>
-            <a:r>
-              <a:rPr lang="pl-PL" dirty="0"/>
-              <a:t> </a:t>
-            </a:r>
-            <a:r>
-              <a:rPr lang="pl-PL" dirty="0" err="1"/>
-              <a:t>object</a:t>
-            </a:r>
-            <a:endParaRPr lang="pl-PL" dirty="0"/>
-          </a:p>
-          <a:p>
-            <a:r>
-              <a:rPr lang="pl-PL" dirty="0" err="1"/>
-              <a:t>Every</a:t>
-            </a:r>
-            <a:r>
-              <a:rPr lang="pl-PL" dirty="0"/>
-              <a:t> </a:t>
-            </a:r>
-            <a:r>
-              <a:rPr lang="pl-PL" dirty="0" err="1"/>
-              <a:t>object</a:t>
-            </a:r>
-            <a:r>
-              <a:rPr lang="pl-PL" dirty="0"/>
-              <a:t> </a:t>
-            </a:r>
-            <a:r>
-              <a:rPr lang="pl-PL" dirty="0" err="1"/>
-              <a:t>has</a:t>
-            </a:r>
-            <a:r>
-              <a:rPr lang="pl-PL" dirty="0"/>
-              <a:t> </a:t>
-            </a:r>
-            <a:r>
-              <a:rPr lang="pl-PL" dirty="0" err="1"/>
-              <a:t>attributes</a:t>
-            </a:r>
-            <a:endParaRPr lang="pl-PL" dirty="0"/>
-          </a:p>
-          <a:p>
-            <a:r>
-              <a:rPr lang="pl-PL" dirty="0" err="1"/>
-              <a:t>Every</a:t>
-            </a:r>
-            <a:r>
-              <a:rPr lang="pl-PL" dirty="0"/>
-              <a:t> </a:t>
-            </a:r>
-            <a:r>
-              <a:rPr lang="pl-PL" dirty="0" err="1"/>
-              <a:t>object</a:t>
-            </a:r>
-            <a:r>
-              <a:rPr lang="pl-PL" dirty="0"/>
-              <a:t> </a:t>
-            </a:r>
-            <a:r>
-              <a:rPr lang="pl-PL" dirty="0" err="1"/>
-              <a:t>offers</a:t>
-            </a:r>
-            <a:r>
-              <a:rPr lang="pl-PL" dirty="0"/>
-              <a:t> </a:t>
-            </a:r>
-            <a:r>
-              <a:rPr lang="pl-PL" dirty="0" err="1"/>
-              <a:t>methods</a:t>
-            </a:r>
-            <a:endParaRPr lang="pl-PL" dirty="0"/>
-          </a:p>
-          <a:p>
-            <a:endParaRPr lang="pl-PL" dirty="0"/>
-          </a:p>
-          <a:p>
-            <a:pPr marL="0" indent="0">
-              <a:buNone/>
-            </a:pPr>
-            <a:r>
-              <a:rPr lang="pl-PL" dirty="0"/>
-              <a:t>ex.: A student: </a:t>
-            </a:r>
-            <a:r>
-              <a:rPr lang="pl-PL" dirty="0" err="1"/>
-              <a:t>what</a:t>
-            </a:r>
-            <a:r>
-              <a:rPr lang="pl-PL" dirty="0"/>
-              <a:t> </a:t>
-            </a:r>
-            <a:r>
-              <a:rPr lang="pl-PL" dirty="0" err="1"/>
-              <a:t>attributes</a:t>
-            </a:r>
-            <a:r>
-              <a:rPr lang="pl-PL" dirty="0"/>
-              <a:t> </a:t>
-            </a:r>
-            <a:r>
-              <a:rPr lang="pl-PL" dirty="0" err="1"/>
-              <a:t>apply</a:t>
-            </a:r>
-            <a:r>
-              <a:rPr lang="pl-PL" dirty="0"/>
-              <a:t>? </a:t>
-            </a:r>
-            <a:r>
-              <a:rPr lang="pl-PL" dirty="0" err="1"/>
-              <a:t>What</a:t>
-            </a:r>
-            <a:r>
-              <a:rPr lang="pl-PL" dirty="0"/>
-              <a:t> </a:t>
-            </a:r>
-            <a:r>
-              <a:rPr lang="pl-PL" dirty="0" err="1"/>
-              <a:t>methods</a:t>
-            </a:r>
-            <a:r>
-              <a:rPr lang="pl-PL" dirty="0"/>
-              <a:t>?</a:t>
-            </a:r>
-          </a:p>
-        </p:txBody>
-      </p:sp>
-      <p:sp>
-        <p:nvSpPr>
-          <p:cNvPr id="3" name="Tytuł 2"/>
-          <p:cNvSpPr>
-            <a:spLocks noGrp="1"/>
-          </p:cNvSpPr>
-          <p:nvPr>
-            <p:ph type="title"/>
-          </p:nvPr>
-        </p:nvSpPr>
-        <p:spPr/>
-        <p:txBody>
-          <a:bodyPr/>
-          <a:lstStyle/>
-          <a:p>
-            <a:r>
-              <a:rPr lang="pl-PL" dirty="0"/>
-              <a:t>OOP – Object </a:t>
-            </a:r>
-            <a:r>
-              <a:rPr lang="pl-PL" dirty="0" err="1"/>
-              <a:t>Oriented</a:t>
-            </a:r>
-            <a:r>
-              <a:rPr lang="pl-PL" dirty="0"/>
-              <a:t> Programming</a:t>
-            </a:r>
-          </a:p>
-        </p:txBody>
-      </p:sp>
-    </p:spTree>
-    <p:extLst>
-      <p:ext uri="{BB962C8B-B14F-4D97-AF65-F5344CB8AC3E}">
-        <p14:creationId xmlns:p14="http://schemas.microsoft.com/office/powerpoint/2010/main" val="1079515933"/>
-      </p:ext>
-    </p:extLst>
-  </p:cSld>
-  <p:clrMapOvr>
-    <a:masterClrMapping/>
-  </p:clrMapOvr>
+  <p:timing>
+    <p:tnLst>
+      <p:par>
+        <p:cTn id="1" dur="indefinite" restart="never" nodeType="tmRoot"/>
+      </p:par>
+    </p:tnLst>
+  </p:timing>
 </p:sld>
 </file>
 
@@ -4551,378 +4623,301 @@
         </p:nvSpPr>
         <p:spPr>
           <a:xfrm>
-            <a:off x="4680064" y="108065"/>
-            <a:ext cx="7439892" cy="6242859"/>
+            <a:off x="609600" y="1729046"/>
+            <a:ext cx="10972800" cy="4220233"/>
           </a:xfrm>
         </p:spPr>
         <p:txBody>
-          <a:bodyPr>
-            <a:normAutofit fontScale="92500" lnSpcReduction="20000"/>
-          </a:bodyPr>
+          <a:bodyPr/>
           <a:lstStyle/>
           <a:p>
             <a:pPr marL="0" indent="0">
               <a:buNone/>
             </a:pPr>
             <a:r>
-              <a:rPr lang="pl-PL" dirty="0" err="1"/>
-              <a:t>class</a:t>
-            </a:r>
-            <a:r>
-              <a:rPr lang="pl-PL" dirty="0"/>
-              <a:t> Student:</a:t>
-            </a:r>
-          </a:p>
-          <a:p>
-            <a:pPr marL="0" indent="0">
-              <a:buNone/>
+              <a:rPr lang="pl-PL" b="1" dirty="0"/>
+              <a:t>Read the manual, </a:t>
+            </a:r>
+            <a:r>
+              <a:rPr lang="pl-PL" b="1" dirty="0" err="1"/>
+              <a:t>try</a:t>
+            </a:r>
+            <a:r>
+              <a:rPr lang="pl-PL" b="1" dirty="0"/>
+              <a:t> to:</a:t>
+            </a:r>
+          </a:p>
+          <a:p>
+            <a:pPr>
+              <a:buFontTx/>
+              <a:buChar char="-"/>
             </a:pPr>
             <a:r>
-              <a:rPr lang="pl-PL" dirty="0"/>
-              <a:t>    def __</a:t>
-            </a:r>
-            <a:r>
-              <a:rPr lang="pl-PL" dirty="0" err="1"/>
-              <a:t>init</a:t>
-            </a:r>
-            <a:r>
-              <a:rPr lang="pl-PL" dirty="0"/>
-              <a:t>__(</a:t>
-            </a:r>
-            <a:r>
-              <a:rPr lang="pl-PL" dirty="0" err="1"/>
-              <a:t>self</a:t>
-            </a:r>
-            <a:r>
-              <a:rPr lang="pl-PL" dirty="0"/>
+              <a:rPr lang="pl-PL" dirty="0" err="1"/>
+              <a:t>Create</a:t>
+            </a:r>
+            <a:r>
+              <a:rPr lang="pl-PL" dirty="0"/>
+              <a:t> a </a:t>
+            </a:r>
+            <a:r>
+              <a:rPr lang="pl-PL" dirty="0" err="1"/>
+              <a:t>window</a:t>
+            </a:r>
+            <a:endParaRPr lang="pl-PL" dirty="0"/>
+          </a:p>
+          <a:p>
+            <a:pPr>
+              <a:buFontTx/>
+              <a:buChar char="-"/>
+            </a:pPr>
+            <a:r>
+              <a:rPr lang="pl-PL" dirty="0" err="1"/>
+              <a:t>Add</a:t>
+            </a:r>
+            <a:r>
+              <a:rPr lang="pl-PL" dirty="0"/>
+              <a:t> </a:t>
+            </a:r>
+            <a:r>
+              <a:rPr lang="pl-PL" b="1" dirty="0" err="1"/>
+              <a:t>Buttons</a:t>
+            </a:r>
+            <a:r>
+              <a:rPr lang="pl-PL" b="1" dirty="0"/>
               <a:t>, </a:t>
             </a:r>
             <a:r>
-              <a:rPr lang="pl-PL" dirty="0" err="1"/>
-              <a:t>name</a:t>
-            </a:r>
-            <a:r>
-              <a:rPr lang="pl-PL" dirty="0"/>
+              <a:rPr lang="pl-PL" b="1" dirty="0" err="1"/>
+              <a:t>Labels</a:t>
+            </a:r>
+            <a:r>
+              <a:rPr lang="pl-PL" b="1" dirty="0"/>
               <a:t>, </a:t>
             </a:r>
             <a:r>
-              <a:rPr lang="pl-PL" dirty="0" err="1"/>
-              <a:t>indexNo</a:t>
-            </a:r>
-            <a:r>
-              <a:rPr lang="pl-PL" dirty="0"/>
-              <a:t>, </a:t>
-            </a:r>
-            <a:r>
-              <a:rPr lang="pl-PL" dirty="0" err="1"/>
-              <a:t>studyAvg</a:t>
-            </a:r>
-            <a:r>
-              <a:rPr lang="pl-PL" dirty="0"/>
-              <a:t> = 0):</a:t>
-            </a:r>
-          </a:p>
-          <a:p>
-            <a:pPr marL="0" indent="0">
-              <a:buNone/>
+              <a:rPr lang="pl-PL" b="1" dirty="0" err="1"/>
+              <a:t>Menus</a:t>
+            </a:r>
+            <a:r>
+              <a:rPr lang="pl-PL" dirty="0"/>
+              <a:t> and/</a:t>
+            </a:r>
+            <a:r>
+              <a:rPr lang="pl-PL" dirty="0" err="1"/>
+              <a:t>or</a:t>
+            </a:r>
+            <a:r>
+              <a:rPr lang="pl-PL" dirty="0"/>
+              <a:t> </a:t>
+            </a:r>
+            <a:r>
+              <a:rPr lang="pl-PL" dirty="0" err="1"/>
+              <a:t>other</a:t>
+            </a:r>
+            <a:r>
+              <a:rPr lang="pl-PL" dirty="0"/>
+              <a:t> </a:t>
+            </a:r>
+            <a:r>
+              <a:rPr lang="pl-PL" dirty="0" err="1"/>
+              <a:t>components</a:t>
+            </a:r>
+            <a:endParaRPr lang="pl-PL" dirty="0"/>
+          </a:p>
+          <a:p>
+            <a:pPr>
+              <a:buFontTx/>
+              <a:buChar char="-"/>
             </a:pPr>
             <a:r>
               <a:rPr lang="pl-PL" dirty="0"/>
-              <a:t>        self.name = </a:t>
-            </a:r>
-            <a:r>
-              <a:rPr lang="pl-PL" dirty="0" err="1"/>
-              <a:t>name</a:t>
-            </a:r>
-            <a:endParaRPr lang="pl-PL" dirty="0"/>
-          </a:p>
-          <a:p>
-            <a:pPr marL="0" indent="0">
-              <a:buNone/>
+              <a:t>Design a layout of </a:t>
+            </a:r>
+            <a:r>
+              <a:rPr lang="pl-PL" dirty="0" err="1"/>
+              <a:t>your</a:t>
+            </a:r>
+            <a:r>
+              <a:rPr lang="pl-PL" dirty="0"/>
+              <a:t> choice – </a:t>
+            </a:r>
+            <a:r>
+              <a:rPr lang="pl-PL" dirty="0" err="1"/>
+              <a:t>use</a:t>
+            </a:r>
+            <a:r>
+              <a:rPr lang="pl-PL" dirty="0"/>
+              <a:t> </a:t>
+            </a:r>
+            <a:r>
+              <a:rPr lang="pl-PL" dirty="0" err="1"/>
+              <a:t>your</a:t>
+            </a:r>
+            <a:r>
+              <a:rPr lang="pl-PL" dirty="0"/>
+              <a:t> </a:t>
+            </a:r>
+            <a:r>
+              <a:rPr lang="pl-PL" dirty="0" err="1"/>
+              <a:t>fantasy</a:t>
+            </a:r>
+            <a:r>
+              <a:rPr lang="pl-PL" dirty="0"/>
+              <a:t>!</a:t>
+            </a:r>
+          </a:p>
+          <a:p>
+            <a:pPr>
+              <a:buFontTx/>
+              <a:buChar char="-"/>
             </a:pPr>
             <a:r>
-              <a:rPr lang="pl-PL" dirty="0"/>
-              <a:t>        </a:t>
-            </a:r>
-            <a:r>
-              <a:rPr lang="pl-PL" dirty="0" err="1"/>
-              <a:t>self.indexNo</a:t>
-            </a:r>
-            <a:r>
-              <a:rPr lang="pl-PL" dirty="0"/>
-              <a:t> = </a:t>
-            </a:r>
-            <a:r>
-              <a:rPr lang="pl-PL" dirty="0" err="1"/>
-              <a:t>indexNo</a:t>
-            </a:r>
-            <a:endParaRPr lang="pl-PL" dirty="0"/>
-          </a:p>
-          <a:p>
-            <a:pPr marL="0" indent="0">
-              <a:buNone/>
+              <a:rPr lang="pl-PL" dirty="0" err="1"/>
+              <a:t>Add</a:t>
+            </a:r>
+            <a:r>
+              <a:rPr lang="pl-PL" dirty="0"/>
+              <a:t> </a:t>
+            </a:r>
+            <a:r>
+              <a:rPr lang="pl-PL" dirty="0" err="1"/>
+              <a:t>some</a:t>
+            </a:r>
+            <a:r>
+              <a:rPr lang="pl-PL" dirty="0"/>
+              <a:t> </a:t>
+            </a:r>
+            <a:r>
+              <a:rPr lang="pl-PL" dirty="0" err="1"/>
+              <a:t>functionality</a:t>
+            </a:r>
+            <a:r>
+              <a:rPr lang="pl-PL" dirty="0"/>
+              <a:t> – </a:t>
+            </a:r>
+            <a:r>
+              <a:rPr lang="pl-PL" dirty="0" err="1"/>
+              <a:t>e.q</a:t>
+            </a:r>
+            <a:r>
+              <a:rPr lang="pl-PL" dirty="0"/>
+              <a:t>.:</a:t>
+            </a:r>
+          </a:p>
+          <a:p>
+            <a:pPr lvl="3">
+              <a:buFont typeface="Wingdings" panose="05000000000000000000" pitchFamily="2" charset="2"/>
+              <a:buChar char="Ø"/>
             </a:pPr>
             <a:r>
-              <a:rPr lang="pl-PL" dirty="0"/>
-              <a:t>        </a:t>
-            </a:r>
-            <a:r>
-              <a:rPr lang="pl-PL" dirty="0" err="1"/>
-              <a:t>self.studyAvg</a:t>
-            </a:r>
-            <a:r>
-              <a:rPr lang="pl-PL" dirty="0"/>
-              <a:t> = </a:t>
-            </a:r>
-            <a:r>
-              <a:rPr lang="pl-PL" dirty="0" err="1"/>
-              <a:t>studyAvg</a:t>
-            </a:r>
-            <a:endParaRPr lang="pl-PL" dirty="0"/>
-          </a:p>
-          <a:p>
-            <a:pPr marL="0" indent="0">
-              <a:buNone/>
+              <a:rPr lang="pl-PL" sz="1800" dirty="0" err="1"/>
+              <a:t>Add</a:t>
+            </a:r>
+            <a:r>
+              <a:rPr lang="pl-PL" sz="1800" dirty="0"/>
+              <a:t> Button</a:t>
+            </a:r>
+          </a:p>
+          <a:p>
+            <a:pPr lvl="3">
+              <a:buFont typeface="Wingdings" panose="05000000000000000000" pitchFamily="2" charset="2"/>
+              <a:buChar char="Ø"/>
             </a:pPr>
             <a:r>
-              <a:rPr lang="pl-PL" dirty="0"/>
-              <a:t>    </a:t>
-            </a:r>
-          </a:p>
-          <a:p>
-            <a:pPr marL="0" indent="0">
-              <a:buNone/>
+              <a:rPr lang="pl-PL" sz="1800" dirty="0"/>
+              <a:t>Set </a:t>
+            </a:r>
+            <a:r>
+              <a:rPr lang="pl-PL" sz="1800" dirty="0" err="1"/>
+              <a:t>its</a:t>
+            </a:r>
+            <a:r>
+              <a:rPr lang="pl-PL" sz="1800" dirty="0"/>
+              <a:t> </a:t>
+            </a:r>
+            <a:r>
+              <a:rPr lang="pl-PL" sz="1800" dirty="0" err="1"/>
+              <a:t>label</a:t>
+            </a:r>
+            <a:r>
+              <a:rPr lang="pl-PL" sz="1800" dirty="0"/>
+              <a:t> to „Close”</a:t>
+            </a:r>
+          </a:p>
+          <a:p>
+            <a:pPr lvl="3">
+              <a:buFont typeface="Wingdings" panose="05000000000000000000" pitchFamily="2" charset="2"/>
+              <a:buChar char="Ø"/>
             </a:pPr>
             <a:r>
-              <a:rPr lang="pl-PL" dirty="0"/>
-              <a:t>    def </a:t>
-            </a:r>
-            <a:r>
-              <a:rPr lang="pl-PL" dirty="0" err="1"/>
-              <a:t>setAvg</a:t>
-            </a:r>
-            <a:r>
-              <a:rPr lang="pl-PL" dirty="0"/>
-              <a:t>(</a:t>
-            </a:r>
-            <a:r>
-              <a:rPr lang="pl-PL" dirty="0" err="1"/>
-              <a:t>self</a:t>
-            </a:r>
-            <a:r>
-              <a:rPr lang="pl-PL" dirty="0"/>
-              <a:t>, </a:t>
-            </a:r>
-            <a:r>
-              <a:rPr lang="pl-PL" dirty="0" err="1"/>
-              <a:t>avg</a:t>
-            </a:r>
-            <a:r>
-              <a:rPr lang="pl-PL" dirty="0"/>
-              <a:t>):</a:t>
-            </a:r>
-          </a:p>
-          <a:p>
-            <a:pPr marL="0" indent="0">
-              <a:buNone/>
+              <a:rPr lang="pl-PL" sz="1800" dirty="0" err="1"/>
+              <a:t>Make</a:t>
+            </a:r>
+            <a:r>
+              <a:rPr lang="pl-PL" sz="1800" dirty="0"/>
+              <a:t> </a:t>
+            </a:r>
+            <a:r>
+              <a:rPr lang="pl-PL" sz="1800" dirty="0" err="1"/>
+              <a:t>it</a:t>
+            </a:r>
+            <a:r>
+              <a:rPr lang="pl-PL" sz="1800" dirty="0"/>
+              <a:t> </a:t>
+            </a:r>
+            <a:r>
+              <a:rPr lang="pl-PL" sz="1800" dirty="0" err="1"/>
+              <a:t>close</a:t>
+            </a:r>
+            <a:r>
+              <a:rPr lang="pl-PL" sz="1800" dirty="0"/>
+              <a:t> the </a:t>
+            </a:r>
+            <a:r>
+              <a:rPr lang="pl-PL" sz="1800" dirty="0" err="1"/>
+              <a:t>application</a:t>
+            </a:r>
+            <a:endParaRPr lang="pl-PL" sz="1800" dirty="0"/>
+          </a:p>
+          <a:p>
+            <a:pPr lvl="3">
+              <a:buFont typeface="Wingdings" panose="05000000000000000000" pitchFamily="2" charset="2"/>
+              <a:buChar char="Ø"/>
             </a:pPr>
             <a:r>
-              <a:rPr lang="pl-PL" dirty="0"/>
-              <a:t>        </a:t>
-            </a:r>
-            <a:r>
-              <a:rPr lang="pl-PL" dirty="0" err="1"/>
-              <a:t>self.studyAvg</a:t>
-            </a:r>
-            <a:r>
-              <a:rPr lang="pl-PL" dirty="0"/>
-              <a:t> = </a:t>
-            </a:r>
-            <a:r>
-              <a:rPr lang="pl-PL" dirty="0" err="1"/>
-              <a:t>avg</a:t>
-            </a:r>
-            <a:endParaRPr lang="pl-PL" dirty="0"/>
-          </a:p>
-          <a:p>
-            <a:pPr marL="0" indent="0">
-              <a:buNone/>
-            </a:pPr>
-            <a:endParaRPr lang="pl-PL" dirty="0"/>
-          </a:p>
-          <a:p>
-            <a:pPr marL="0" indent="0">
-              <a:buNone/>
-            </a:pPr>
-            <a:r>
-              <a:rPr lang="pl-PL" dirty="0"/>
-              <a:t>    def </a:t>
-            </a:r>
-            <a:r>
-              <a:rPr lang="pl-PL" dirty="0" err="1"/>
-              <a:t>getAvg</a:t>
-            </a:r>
-            <a:r>
-              <a:rPr lang="pl-PL" dirty="0"/>
-              <a:t>(</a:t>
-            </a:r>
-            <a:r>
-              <a:rPr lang="pl-PL" dirty="0" err="1"/>
-              <a:t>self</a:t>
-            </a:r>
-            <a:r>
-              <a:rPr lang="pl-PL" dirty="0"/>
-              <a:t>):</a:t>
-            </a:r>
-          </a:p>
-          <a:p>
-            <a:pPr marL="0" indent="0">
-              <a:buNone/>
-            </a:pPr>
-            <a:r>
-              <a:rPr lang="pl-PL" dirty="0"/>
-              <a:t>        return </a:t>
-            </a:r>
-            <a:r>
-              <a:rPr lang="pl-PL" dirty="0" err="1"/>
-              <a:t>self.studyAvg</a:t>
-            </a:r>
-            <a:endParaRPr lang="pl-PL" dirty="0"/>
-          </a:p>
-          <a:p>
-            <a:pPr marL="0" indent="0">
-              <a:buNone/>
-            </a:pPr>
-            <a:endParaRPr lang="pl-PL" dirty="0"/>
-          </a:p>
-          <a:p>
-            <a:pPr marL="0" indent="0">
-              <a:buNone/>
-            </a:pPr>
-            <a:r>
-              <a:rPr lang="pl-PL" dirty="0"/>
-              <a:t>    def __</a:t>
-            </a:r>
-            <a:r>
-              <a:rPr lang="pl-PL" dirty="0" err="1"/>
-              <a:t>str</a:t>
-            </a:r>
-            <a:r>
-              <a:rPr lang="pl-PL" dirty="0"/>
-              <a:t>__(</a:t>
-            </a:r>
-            <a:r>
-              <a:rPr lang="pl-PL" dirty="0" err="1"/>
-              <a:t>self</a:t>
-            </a:r>
-            <a:r>
-              <a:rPr lang="pl-PL" dirty="0"/>
-              <a:t>):</a:t>
-            </a:r>
-          </a:p>
-          <a:p>
-            <a:pPr marL="0" indent="0">
-              <a:buNone/>
-            </a:pPr>
-            <a:r>
-              <a:rPr lang="pl-PL" dirty="0"/>
-              <a:t>        return self.name + ", Index No. „ + </a:t>
-            </a:r>
-            <a:r>
-              <a:rPr lang="pl-PL" dirty="0" err="1"/>
-              <a:t>str</a:t>
-            </a:r>
-            <a:r>
-              <a:rPr lang="pl-PL" dirty="0"/>
-              <a:t>(</a:t>
-            </a:r>
-            <a:r>
-              <a:rPr lang="pl-PL" dirty="0" err="1"/>
-              <a:t>self.indexNo</a:t>
-            </a:r>
-            <a:r>
-              <a:rPr lang="pl-PL" dirty="0"/>
-              <a:t>) +   </a:t>
-            </a:r>
-            <a:br>
-              <a:rPr lang="pl-PL" dirty="0"/>
-            </a:br>
-            <a:r>
-              <a:rPr lang="pl-PL" dirty="0"/>
-              <a:t>        ", </a:t>
-            </a:r>
-            <a:r>
-              <a:rPr lang="pl-PL" dirty="0" err="1"/>
-              <a:t>Study</a:t>
-            </a:r>
-            <a:r>
-              <a:rPr lang="pl-PL" dirty="0"/>
+              <a:rPr lang="pl-PL" sz="1800" dirty="0" err="1"/>
+              <a:t>Add</a:t>
+            </a:r>
+            <a:r>
+              <a:rPr lang="pl-PL" sz="1800" dirty="0"/>
               <a:t> </a:t>
             </a:r>
             <a:r>
-              <a:rPr lang="pl-PL" dirty="0" err="1"/>
-              <a:t>avg</a:t>
-            </a:r>
-            <a:r>
-              <a:rPr lang="pl-PL" dirty="0"/>
-              <a:t>: " + </a:t>
-            </a:r>
-            <a:r>
-              <a:rPr lang="pl-PL" dirty="0" err="1"/>
-              <a:t>str</a:t>
-            </a:r>
-            <a:r>
-              <a:rPr lang="pl-PL" dirty="0"/>
-              <a:t>(</a:t>
-            </a:r>
-            <a:r>
-              <a:rPr lang="pl-PL" dirty="0" err="1"/>
-              <a:t>self.studyAvg</a:t>
-            </a:r>
-            <a:r>
-              <a:rPr lang="pl-PL" dirty="0"/>
-              <a:t>)</a:t>
-            </a:r>
-          </a:p>
-          <a:p>
-            <a:pPr marL="0" indent="0">
-              <a:buNone/>
-            </a:pPr>
-            <a:endParaRPr lang="pl-PL" sz="1800" dirty="0"/>
-          </a:p>
-          <a:p>
-            <a:pPr marL="0" indent="0">
-              <a:buNone/>
-            </a:pPr>
-            <a:r>
-              <a:rPr lang="pl-PL" dirty="0" err="1"/>
-              <a:t>ali</a:t>
-            </a:r>
-            <a:r>
-              <a:rPr lang="pl-PL" dirty="0"/>
-              <a:t> = Student("Kowalski", 12345)</a:t>
-            </a:r>
-          </a:p>
-          <a:p>
-            <a:pPr marL="0" indent="0">
-              <a:buNone/>
-            </a:pPr>
-            <a:r>
-              <a:rPr lang="pl-PL" dirty="0" err="1"/>
-              <a:t>print</a:t>
-            </a:r>
-            <a:r>
-              <a:rPr lang="pl-PL" dirty="0"/>
-              <a:t>(</a:t>
-            </a:r>
-            <a:r>
-              <a:rPr lang="pl-PL" dirty="0" err="1"/>
-              <a:t>ali</a:t>
-            </a:r>
-            <a:r>
-              <a:rPr lang="pl-PL" dirty="0"/>
-              <a:t>)</a:t>
-            </a:r>
+              <a:rPr lang="pl-PL" sz="1800" dirty="0" err="1"/>
+              <a:t>other</a:t>
+            </a:r>
+            <a:r>
+              <a:rPr lang="pl-PL" sz="1800" dirty="0"/>
+              <a:t> </a:t>
+            </a:r>
+            <a:r>
+              <a:rPr lang="pl-PL" sz="1800" dirty="0" err="1"/>
+              <a:t>functionalities</a:t>
+            </a:r>
+            <a:r>
+              <a:rPr lang="pl-PL" sz="1800" dirty="0"/>
+              <a:t> </a:t>
+            </a:r>
+            <a:r>
+              <a:rPr lang="pl-PL" sz="1800" dirty="0" err="1"/>
+              <a:t>too</a:t>
+            </a:r>
+            <a:r>
+              <a:rPr lang="pl-PL" sz="1800" dirty="0"/>
+              <a:t>!</a:t>
+            </a:r>
+            <a:endParaRPr lang="en-GB" sz="1800" dirty="0"/>
           </a:p>
         </p:txBody>
       </p:sp>
@@ -4936,42 +4931,310 @@
             <p:ph type="title"/>
           </p:nvPr>
         </p:nvSpPr>
-        <p:spPr>
-          <a:xfrm>
-            <a:off x="609600" y="274640"/>
-            <a:ext cx="3754582" cy="994121"/>
-          </a:xfrm>
-        </p:spPr>
-        <p:txBody>
-          <a:bodyPr/>
+        <p:spPr/>
+        <p:txBody>
+          <a:bodyPr>
+            <a:noAutofit/>
+          </a:bodyPr>
           <a:lstStyle/>
           <a:p>
-            <a:r>
-              <a:rPr lang="pl-PL" dirty="0" err="1"/>
-              <a:t>Defining</a:t>
-            </a:r>
-            <a:r>
-              <a:rPr lang="pl-PL" dirty="0"/>
-              <a:t> a </a:t>
-            </a:r>
-            <a:r>
-              <a:rPr lang="pl-PL" dirty="0" err="1"/>
-              <a:t>class</a:t>
-            </a:r>
-            <a:endParaRPr lang="pl-PL" dirty="0"/>
+            <a:pPr algn="ctr"/>
+            <a:r>
+              <a:rPr lang="pl-PL" sz="4000" dirty="0"/>
+              <a:t>Go to: </a:t>
+            </a:r>
+            <a:r>
+              <a:rPr lang="pl-PL" sz="2400" dirty="0"/>
+              <a:t>https://www.tutorialspoint.com/python/python_gui_programming.htm</a:t>
+            </a:r>
+            <a:br>
+              <a:rPr lang="pl-PL" sz="2400" dirty="0"/>
+            </a:br>
+            <a:r>
+              <a:rPr lang="pl-PL" sz="2400" b="0" i="1" dirty="0"/>
+              <a:t>(and </a:t>
+            </a:r>
+            <a:r>
+              <a:rPr lang="pl-PL" sz="2400" b="0" i="1" dirty="0" err="1"/>
+              <a:t>subpages</a:t>
+            </a:r>
+            <a:r>
+              <a:rPr lang="pl-PL" sz="2400" b="0" i="1" dirty="0"/>
+              <a:t> – </a:t>
+            </a:r>
+            <a:r>
+              <a:rPr lang="pl-PL" sz="2400" b="0" i="1" dirty="0" err="1"/>
+              <a:t>follow</a:t>
+            </a:r>
+            <a:r>
+              <a:rPr lang="pl-PL" sz="2400" b="0" i="1" dirty="0"/>
+              <a:t> the </a:t>
+            </a:r>
+            <a:r>
+              <a:rPr lang="pl-PL" sz="2400" b="0" i="1" dirty="0" err="1"/>
+              <a:t>links</a:t>
+            </a:r>
+            <a:r>
+              <a:rPr lang="pl-PL" sz="2400" b="0" i="1" dirty="0"/>
+              <a:t> from the </a:t>
+            </a:r>
+            <a:r>
+              <a:rPr lang="pl-PL" sz="2400" b="0" i="1" dirty="0" err="1"/>
+              <a:t>page</a:t>
+            </a:r>
+            <a:r>
+              <a:rPr lang="pl-PL" sz="2400" b="0" i="1" dirty="0"/>
+              <a:t>)</a:t>
+            </a:r>
+            <a:endParaRPr lang="en-GB" sz="2800" b="0" i="1" dirty="0"/>
           </a:p>
         </p:txBody>
       </p:sp>
     </p:spTree>
     <p:extLst>
       <p:ext uri="{BB962C8B-B14F-4D97-AF65-F5344CB8AC3E}">
-        <p14:creationId xmlns:p14="http://schemas.microsoft.com/office/powerpoint/2010/main" val="2879528680"/>
+        <p14:creationId xmlns:p14="http://schemas.microsoft.com/office/powerpoint/2010/main" val="3251275913"/>
       </p:ext>
     </p:extLst>
   </p:cSld>
   <p:clrMapOvr>
     <a:masterClrMapping/>
   </p:clrMapOvr>
+  <p:timing>
+    <p:tnLst>
+      <p:par>
+        <p:cTn id="1" dur="indefinite" restart="never" nodeType="tmRoot"/>
+      </p:par>
+    </p:tnLst>
+  </p:timing>
+</p:sld>
+</file>
+
+<file path=ppt/slides/slide9.xml><?xml version="1.0" encoding="utf-8"?>
+<p:sld xmlns:a="http://schemas.openxmlformats.org/drawingml/2006/main" xmlns:r="http://schemas.openxmlformats.org/officeDocument/2006/relationships" xmlns:p="http://schemas.openxmlformats.org/presentationml/2006/main">
+  <p:cSld>
+    <p:spTree>
+      <p:nvGrpSpPr>
+        <p:cNvPr id="1" name=""/>
+        <p:cNvGrpSpPr/>
+        <p:nvPr/>
+      </p:nvGrpSpPr>
+      <p:grpSpPr>
+        <a:xfrm>
+          <a:off x="0" y="0"/>
+          <a:ext cx="0" cy="0"/>
+          <a:chOff x="0" y="0"/>
+          <a:chExt cx="0" cy="0"/>
+        </a:xfrm>
+      </p:grpSpPr>
+      <p:sp>
+        <p:nvSpPr>
+          <p:cNvPr id="2" name="Symbol zastępczy zawartości 1"/>
+          <p:cNvSpPr>
+            <a:spLocks noGrp="1"/>
+          </p:cNvSpPr>
+          <p:nvPr>
+            <p:ph idx="1"/>
+          </p:nvPr>
+        </p:nvSpPr>
+        <p:spPr/>
+        <p:txBody>
+          <a:bodyPr/>
+          <a:lstStyle/>
+          <a:p>
+            <a:r>
+              <a:rPr lang="pl-PL" dirty="0" err="1"/>
+              <a:t>Everything</a:t>
+            </a:r>
+            <a:r>
+              <a:rPr lang="pl-PL" dirty="0"/>
+              <a:t> </a:t>
+            </a:r>
+            <a:r>
+              <a:rPr lang="pl-PL" dirty="0" err="1"/>
+              <a:t>is</a:t>
+            </a:r>
+            <a:r>
+              <a:rPr lang="pl-PL" dirty="0"/>
+              <a:t> </a:t>
+            </a:r>
+            <a:r>
+              <a:rPr lang="pl-PL" dirty="0" err="1"/>
+              <a:t>an</a:t>
+            </a:r>
+            <a:r>
+              <a:rPr lang="pl-PL" dirty="0"/>
+              <a:t> </a:t>
+            </a:r>
+            <a:r>
+              <a:rPr lang="pl-PL" dirty="0" err="1"/>
+              <a:t>object</a:t>
+            </a:r>
+            <a:endParaRPr lang="pl-PL" dirty="0"/>
+          </a:p>
+          <a:p>
+            <a:r>
+              <a:rPr lang="pl-PL" dirty="0" err="1"/>
+              <a:t>Every</a:t>
+            </a:r>
+            <a:r>
+              <a:rPr lang="pl-PL" dirty="0"/>
+              <a:t> </a:t>
+            </a:r>
+            <a:r>
+              <a:rPr lang="pl-PL" dirty="0" err="1"/>
+              <a:t>object</a:t>
+            </a:r>
+            <a:r>
+              <a:rPr lang="pl-PL" dirty="0"/>
+              <a:t> </a:t>
+            </a:r>
+            <a:r>
+              <a:rPr lang="pl-PL" dirty="0" err="1"/>
+              <a:t>has</a:t>
+            </a:r>
+            <a:r>
+              <a:rPr lang="pl-PL" dirty="0"/>
+              <a:t> </a:t>
+            </a:r>
+            <a:r>
+              <a:rPr lang="pl-PL" dirty="0" err="1"/>
+              <a:t>attributes</a:t>
+            </a:r>
+            <a:endParaRPr lang="pl-PL" dirty="0"/>
+          </a:p>
+          <a:p>
+            <a:r>
+              <a:rPr lang="pl-PL" dirty="0" err="1"/>
+              <a:t>Every</a:t>
+            </a:r>
+            <a:r>
+              <a:rPr lang="pl-PL" dirty="0"/>
+              <a:t> </a:t>
+            </a:r>
+            <a:r>
+              <a:rPr lang="pl-PL" dirty="0" err="1"/>
+              <a:t>object</a:t>
+            </a:r>
+            <a:r>
+              <a:rPr lang="pl-PL" dirty="0"/>
+              <a:t> </a:t>
+            </a:r>
+            <a:r>
+              <a:rPr lang="pl-PL" dirty="0" err="1"/>
+              <a:t>offers</a:t>
+            </a:r>
+            <a:r>
+              <a:rPr lang="pl-PL" dirty="0"/>
+              <a:t> </a:t>
+            </a:r>
+            <a:r>
+              <a:rPr lang="pl-PL" dirty="0" err="1"/>
+              <a:t>methods</a:t>
+            </a:r>
+            <a:endParaRPr lang="pl-PL" dirty="0"/>
+          </a:p>
+          <a:p>
+            <a:endParaRPr lang="pl-PL" dirty="0"/>
+          </a:p>
+          <a:p>
+            <a:pPr marL="0" indent="0">
+              <a:buNone/>
+            </a:pPr>
+            <a:r>
+              <a:rPr lang="pl-PL" dirty="0"/>
+              <a:t>ex.: A student: </a:t>
+            </a:r>
+            <a:r>
+              <a:rPr lang="pl-PL" dirty="0" err="1"/>
+              <a:t>what</a:t>
+            </a:r>
+            <a:r>
+              <a:rPr lang="pl-PL" dirty="0"/>
+              <a:t> </a:t>
+            </a:r>
+            <a:r>
+              <a:rPr lang="pl-PL" dirty="0" err="1"/>
+              <a:t>attributes</a:t>
+            </a:r>
+            <a:r>
+              <a:rPr lang="pl-PL" dirty="0"/>
+              <a:t> </a:t>
+            </a:r>
+            <a:r>
+              <a:rPr lang="pl-PL" dirty="0" err="1"/>
+              <a:t>apply</a:t>
+            </a:r>
+            <a:r>
+              <a:rPr lang="pl-PL" dirty="0"/>
+              <a:t>? </a:t>
+            </a:r>
+            <a:r>
+              <a:rPr lang="pl-PL" dirty="0" err="1"/>
+              <a:t>What</a:t>
+            </a:r>
+            <a:r>
+              <a:rPr lang="pl-PL" dirty="0"/>
+              <a:t> </a:t>
+            </a:r>
+            <a:r>
+              <a:rPr lang="pl-PL" dirty="0" err="1"/>
+              <a:t>methods</a:t>
+            </a:r>
+            <a:r>
+              <a:rPr lang="pl-PL" dirty="0"/>
+              <a:t>?</a:t>
+            </a:r>
+          </a:p>
+        </p:txBody>
+      </p:sp>
+      <p:sp>
+        <p:nvSpPr>
+          <p:cNvPr id="3" name="Tytuł 2"/>
+          <p:cNvSpPr>
+            <a:spLocks noGrp="1"/>
+          </p:cNvSpPr>
+          <p:nvPr>
+            <p:ph type="title"/>
+          </p:nvPr>
+        </p:nvSpPr>
+        <p:spPr/>
+        <p:txBody>
+          <a:bodyPr/>
+          <a:lstStyle/>
+          <a:p>
+            <a:r>
+              <a:rPr lang="pl-PL" dirty="0"/>
+              <a:t>OOP – Object </a:t>
+            </a:r>
+            <a:r>
+              <a:rPr lang="pl-PL" dirty="0" err="1"/>
+              <a:t>Oriented</a:t>
+            </a:r>
+            <a:r>
+              <a:rPr lang="pl-PL" dirty="0"/>
+              <a:t> Programming</a:t>
+            </a:r>
+          </a:p>
+        </p:txBody>
+      </p:sp>
+    </p:spTree>
+    <p:extLst>
+      <p:ext uri="{BB962C8B-B14F-4D97-AF65-F5344CB8AC3E}">
+        <p14:creationId xmlns:p14="http://schemas.microsoft.com/office/powerpoint/2010/main" val="1079515933"/>
+      </p:ext>
+    </p:extLst>
+  </p:cSld>
+  <p:clrMapOvr>
+    <a:masterClrMapping/>
+  </p:clrMapOvr>
+  <p:timing>
+    <p:tnLst>
+      <p:par>
+        <p:cTn id="1" dur="indefinite" restart="never" nodeType="tmRoot"/>
+      </p:par>
+    </p:tnLst>
+  </p:timing>
 </p:sld>
 </file>
 

--- a/IPB (10-11) tkinter and OOL.pptx
+++ b/IPB (10-11) tkinter and OOL.pptx
@@ -555,7 +555,7 @@
           <a:p>
             <a:fld id="{674D4847-DB7C-4854-AD9C-417A8A78F734}" type="datetimeFigureOut">
               <a:rPr lang="pl-PL" smtClean="0"/>
-              <a:t>2017-05-11</a:t>
+              <a:t>2017-05-18</a:t>
             </a:fld>
             <a:endParaRPr lang="pl-PL"/>
           </a:p>
@@ -1928,7 +1928,7 @@
           <a:p>
             <a:fld id="{674D4847-DB7C-4854-AD9C-417A8A78F734}" type="datetimeFigureOut">
               <a:rPr lang="pl-PL" smtClean="0"/>
-              <a:t>2017-05-11</a:t>
+              <a:t>2017-05-18</a:t>
             </a:fld>
             <a:endParaRPr lang="pl-PL"/>
           </a:p>
@@ -2150,7 +2150,7 @@
           <a:p>
             <a:fld id="{674D4847-DB7C-4854-AD9C-417A8A78F734}" type="datetimeFigureOut">
               <a:rPr lang="pl-PL" smtClean="0"/>
-              <a:t>2017-05-11</a:t>
+              <a:t>2017-05-18</a:t>
             </a:fld>
             <a:endParaRPr lang="pl-PL"/>
           </a:p>
@@ -4732,40 +4732,17 @@
             </a:pPr>
             <a:r>
               <a:rPr lang="pl-PL" dirty="0"/>
-              <a:t>Design a layout of </a:t>
-            </a:r>
-            <a:r>
-              <a:rPr lang="pl-PL" dirty="0" err="1"/>
-              <a:t>your</a:t>
-            </a:r>
-            <a:r>
-              <a:rPr lang="pl-PL" dirty="0"/>
-              <a:t> choice – </a:t>
-            </a:r>
-            <a:r>
-              <a:rPr lang="pl-PL" dirty="0" err="1"/>
-              <a:t>use</a:t>
-            </a:r>
-            <a:r>
-              <a:rPr lang="pl-PL" dirty="0"/>
-              <a:t> </a:t>
-            </a:r>
-            <a:r>
-              <a:rPr lang="pl-PL" dirty="0" err="1"/>
-              <a:t>your</a:t>
-            </a:r>
-            <a:r>
-              <a:rPr lang="pl-PL" dirty="0"/>
-              <a:t> </a:t>
-            </a:r>
-            <a:r>
-              <a:rPr lang="pl-PL" dirty="0" err="1"/>
-              <a:t>fantasy</a:t>
-            </a:r>
-            <a:r>
-              <a:rPr lang="pl-PL" dirty="0"/>
+              <a:t>Design a layout of your choice – use your </a:t>
+            </a:r>
+            <a:r>
+              <a:rPr lang="en-US" smtClean="0"/>
+              <a:t>imagination</a:t>
+            </a:r>
+            <a:r>
+              <a:rPr lang="pl-PL" smtClean="0"/>
               <a:t>!</a:t>
             </a:r>
+            <a:endParaRPr lang="pl-PL" dirty="0"/>
           </a:p>
           <a:p>
             <a:pPr>
